--- a/11-13_SQL_Interogari - elemente de baza/11_LimbajeDeInterogare_AR_SQL2.pptx
+++ b/11-13_SQL_Interogari - elemente de baza/11_LimbajeDeInterogare_AR_SQL2.pptx
@@ -326,7 +326,7 @@
             <a:fld id="{0A801DFF-04F0-4957-BA1A-21932FA99401}" type="datetimeFigureOut">
               <a:rPr lang="en-US" smtClean="0"/>
               <a:pPr/>
-              <a:t>9/22/18</a:t>
+              <a:t>3/12/19</a:t>
             </a:fld>
             <a:endParaRPr lang="en-US"/>
           </a:p>
@@ -7245,7 +7245,7 @@
           <a:graphicData uri="http://schemas.openxmlformats.org/presentationml/2006/ole">
             <mc:AlternateContent xmlns:mc="http://schemas.openxmlformats.org/markup-compatibility/2006">
               <mc:Choice xmlns:v="urn:schemas-microsoft-com:vml" Requires="v">
-                <p:oleObj spid="_x0000_s1062" name="Photo Editor Photo" r:id="rId4" imgW="2505425" imgH="400000" progId="">
+                <p:oleObj spid="_x0000_s1063" name="Photo Editor Photo" r:id="rId4" imgW="2505425" imgH="400000" progId="">
                   <p:embed/>
                 </p:oleObj>
               </mc:Choice>
@@ -7288,14 +7288,14 @@
                       <a:effectLst/>
                       <a:extLst>
                         <a:ext uri="{909E8E84-426E-40dd-AFC4-6F175D3DCCD1}">
-                          <a14:hiddenFill xmlns="" xmlns:a14="http://schemas.microsoft.com/office/drawing/2010/main">
+                          <a14:hiddenFill xmlns:a14="http://schemas.microsoft.com/office/drawing/2010/main" xmlns="">
                             <a:solidFill>
                               <a:schemeClr val="accent1"/>
                             </a:solidFill>
                           </a14:hiddenFill>
                         </a:ext>
                         <a:ext uri="{91240B29-F687-4f45-9708-019B960494DF}">
-                          <a14:hiddenLine xmlns="" xmlns:a14="http://schemas.microsoft.com/office/drawing/2010/main" w="9525">
+                          <a14:hiddenLine xmlns:a14="http://schemas.microsoft.com/office/drawing/2010/main" xmlns="" w="9525">
                             <a:solidFill>
                               <a:schemeClr val="tx1"/>
                             </a:solidFill>
@@ -7305,7 +7305,7 @@
                           </a14:hiddenLine>
                         </a:ext>
                         <a:ext uri="{AF507438-7753-43e0-B8FC-AC1667EBCBE1}">
-                          <a14:hiddenEffects xmlns="" xmlns:a14="http://schemas.microsoft.com/office/drawing/2010/main">
+                          <a14:hiddenEffects xmlns:a14="http://schemas.microsoft.com/office/drawing/2010/main" xmlns="">
                             <a:effectLst>
                               <a:outerShdw blurRad="63500" dist="38099" dir="2700000" algn="ctr" rotWithShape="0">
                                 <a:schemeClr val="bg2">
@@ -8527,27 +8527,6 @@
                 <a:spcPts val="0"/>
               </a:spcAft>
             </a:pPr>
-            <a:r>
-              <a:rPr lang="en-US" dirty="0"/>
-              <a:t>041 union-Complete SQL Bootcamp </a:t>
-            </a:r>
-            <a:r>
-              <a:rPr lang="en-US" dirty="0">
-                <a:cs typeface="Avenir Light"/>
-                <a:hlinkClick r:id="rId2"/>
-              </a:rPr>
-              <a:t>https://www.youtube.com/watch?v=H4omj_b5jmY</a:t>
-            </a:r>
-            <a:endParaRPr lang="en-US" dirty="0">
-              <a:cs typeface="Avenir Light"/>
-            </a:endParaRPr>
-          </a:p>
-          <a:p>
-            <a:pPr fontAlgn="auto">
-              <a:spcAft>
-                <a:spcPts val="0"/>
-              </a:spcAft>
-            </a:pPr>
             <a:endParaRPr lang="en-US" dirty="0">
               <a:cs typeface="Avenir Light"/>
             </a:endParaRPr>
@@ -8718,7 +8697,7 @@
           <a:graphicData uri="http://schemas.openxmlformats.org/presentationml/2006/ole">
             <mc:AlternateContent xmlns:mc="http://schemas.openxmlformats.org/markup-compatibility/2006">
               <mc:Choice xmlns:v="urn:schemas-microsoft-com:vml" Requires="v">
-                <p:oleObj spid="_x0000_s2086" name="Photo Editor Photo" r:id="rId4" imgW="1895238" imgH="361809" progId="">
+                <p:oleObj spid="_x0000_s2087" name="Photo Editor Photo" r:id="rId4" imgW="1895238" imgH="361809" progId="">
                   <p:embed/>
                 </p:oleObj>
               </mc:Choice>
@@ -8761,14 +8740,14 @@
                       <a:effectLst/>
                       <a:extLst>
                         <a:ext uri="{909E8E84-426E-40dd-AFC4-6F175D3DCCD1}">
-                          <a14:hiddenFill xmlns="" xmlns:a14="http://schemas.microsoft.com/office/drawing/2010/main">
+                          <a14:hiddenFill xmlns:a14="http://schemas.microsoft.com/office/drawing/2010/main" xmlns="">
                             <a:solidFill>
                               <a:schemeClr val="accent1"/>
                             </a:solidFill>
                           </a14:hiddenFill>
                         </a:ext>
                         <a:ext uri="{91240B29-F687-4f45-9708-019B960494DF}">
-                          <a14:hiddenLine xmlns="" xmlns:a14="http://schemas.microsoft.com/office/drawing/2010/main" w="9525">
+                          <a14:hiddenLine xmlns:a14="http://schemas.microsoft.com/office/drawing/2010/main" xmlns="" w="9525">
                             <a:solidFill>
                               <a:schemeClr val="tx1"/>
                             </a:solidFill>
@@ -8778,7 +8757,7 @@
                           </a14:hiddenLine>
                         </a:ext>
                         <a:ext uri="{AF507438-7753-43e0-B8FC-AC1667EBCBE1}">
-                          <a14:hiddenEffects xmlns="" xmlns:a14="http://schemas.microsoft.com/office/drawing/2010/main">
+                          <a14:hiddenEffects xmlns:a14="http://schemas.microsoft.com/office/drawing/2010/main" xmlns="">
                             <a:effectLst>
                               <a:outerShdw blurRad="63500" dist="38099" dir="2700000" algn="ctr" rotWithShape="0">
                                 <a:schemeClr val="bg2">
@@ -9274,7 +9253,7 @@
           <a:graphicData uri="http://schemas.openxmlformats.org/presentationml/2006/ole">
             <mc:AlternateContent xmlns:mc="http://schemas.openxmlformats.org/markup-compatibility/2006">
               <mc:Choice xmlns:v="urn:schemas-microsoft-com:vml" Requires="v">
-                <p:oleObj spid="_x0000_s3110" name="Photo Editor Photo" r:id="rId4" imgW="2362530" imgH="380852" progId="">
+                <p:oleObj spid="_x0000_s3111" name="Photo Editor Photo" r:id="rId4" imgW="2362530" imgH="380852" progId="">
                   <p:embed/>
                 </p:oleObj>
               </mc:Choice>
@@ -9317,14 +9296,14 @@
                       <a:effectLst/>
                       <a:extLst>
                         <a:ext uri="{909E8E84-426E-40dd-AFC4-6F175D3DCCD1}">
-                          <a14:hiddenFill xmlns="" xmlns:a14="http://schemas.microsoft.com/office/drawing/2010/main">
+                          <a14:hiddenFill xmlns:a14="http://schemas.microsoft.com/office/drawing/2010/main" xmlns="">
                             <a:solidFill>
                               <a:schemeClr val="accent1"/>
                             </a:solidFill>
                           </a14:hiddenFill>
                         </a:ext>
                         <a:ext uri="{91240B29-F687-4f45-9708-019B960494DF}">
-                          <a14:hiddenLine xmlns="" xmlns:a14="http://schemas.microsoft.com/office/drawing/2010/main" w="9525">
+                          <a14:hiddenLine xmlns:a14="http://schemas.microsoft.com/office/drawing/2010/main" xmlns="" w="9525">
                             <a:solidFill>
                               <a:schemeClr val="tx1"/>
                             </a:solidFill>
@@ -9334,7 +9313,7 @@
                           </a14:hiddenLine>
                         </a:ext>
                         <a:ext uri="{AF507438-7753-43e0-B8FC-AC1667EBCBE1}">
-                          <a14:hiddenEffects xmlns="" xmlns:a14="http://schemas.microsoft.com/office/drawing/2010/main">
+                          <a14:hiddenEffects xmlns:a14="http://schemas.microsoft.com/office/drawing/2010/main" xmlns="">
                             <a:effectLst>
                               <a:outerShdw blurRad="63500" dist="38099" dir="2700000" algn="ctr" rotWithShape="0">
                                 <a:schemeClr val="bg2">
@@ -9952,7 +9931,7 @@
           <a:graphicData uri="http://schemas.openxmlformats.org/presentationml/2006/ole">
             <mc:AlternateContent xmlns:mc="http://schemas.openxmlformats.org/markup-compatibility/2006">
               <mc:Choice xmlns:v="urn:schemas-microsoft-com:vml" Requires="v">
-                <p:oleObj spid="_x0000_s4134" name="Photo Editor Photo" r:id="rId4" imgW="2723810" imgH="523810" progId="">
+                <p:oleObj spid="_x0000_s4135" name="Photo Editor Photo" r:id="rId4" imgW="2723810" imgH="523810" progId="">
                   <p:embed/>
                 </p:oleObj>
               </mc:Choice>
@@ -9995,14 +9974,14 @@
                       <a:effectLst/>
                       <a:extLst>
                         <a:ext uri="{909E8E84-426E-40dd-AFC4-6F175D3DCCD1}">
-                          <a14:hiddenFill xmlns="" xmlns:a14="http://schemas.microsoft.com/office/drawing/2010/main">
+                          <a14:hiddenFill xmlns:a14="http://schemas.microsoft.com/office/drawing/2010/main" xmlns="">
                             <a:solidFill>
                               <a:schemeClr val="accent1"/>
                             </a:solidFill>
                           </a14:hiddenFill>
                         </a:ext>
                         <a:ext uri="{91240B29-F687-4f45-9708-019B960494DF}">
-                          <a14:hiddenLine xmlns="" xmlns:a14="http://schemas.microsoft.com/office/drawing/2010/main" w="9525">
+                          <a14:hiddenLine xmlns:a14="http://schemas.microsoft.com/office/drawing/2010/main" xmlns="" w="9525">
                             <a:solidFill>
                               <a:schemeClr val="tx1"/>
                             </a:solidFill>
@@ -10012,7 +9991,7 @@
                           </a14:hiddenLine>
                         </a:ext>
                         <a:ext uri="{AF507438-7753-43e0-B8FC-AC1667EBCBE1}">
-                          <a14:hiddenEffects xmlns="" xmlns:a14="http://schemas.microsoft.com/office/drawing/2010/main">
+                          <a14:hiddenEffects xmlns:a14="http://schemas.microsoft.com/office/drawing/2010/main" xmlns="">
                             <a:effectLst>
                               <a:outerShdw blurRad="63500" dist="38099" dir="2700000" algn="ctr" rotWithShape="0">
                                 <a:schemeClr val="bg2">
@@ -10712,7 +10691,7 @@
           <a:graphicData uri="http://schemas.openxmlformats.org/presentationml/2006/ole">
             <mc:AlternateContent xmlns:mc="http://schemas.openxmlformats.org/markup-compatibility/2006">
               <mc:Choice xmlns:v="urn:schemas-microsoft-com:vml" Requires="v">
-                <p:oleObj spid="_x0000_s5186" name="Photo Editor Photo" r:id="rId3" imgW="3809524" imgH="285866" progId="">
+                <p:oleObj spid="_x0000_s5188" name="Photo Editor Photo" r:id="rId3" imgW="3809524" imgH="285866" progId="">
                   <p:embed/>
                 </p:oleObj>
               </mc:Choice>
@@ -10755,14 +10734,14 @@
                       <a:effectLst/>
                       <a:extLst>
                         <a:ext uri="{909E8E84-426E-40dd-AFC4-6F175D3DCCD1}">
-                          <a14:hiddenFill xmlns="" xmlns:a14="http://schemas.microsoft.com/office/drawing/2010/main">
+                          <a14:hiddenFill xmlns:a14="http://schemas.microsoft.com/office/drawing/2010/main" xmlns="">
                             <a:solidFill>
                               <a:schemeClr val="accent1"/>
                             </a:solidFill>
                           </a14:hiddenFill>
                         </a:ext>
                         <a:ext uri="{91240B29-F687-4f45-9708-019B960494DF}">
-                          <a14:hiddenLine xmlns="" xmlns:a14="http://schemas.microsoft.com/office/drawing/2010/main" w="9525">
+                          <a14:hiddenLine xmlns:a14="http://schemas.microsoft.com/office/drawing/2010/main" xmlns="" w="9525">
                             <a:solidFill>
                               <a:schemeClr val="tx1"/>
                             </a:solidFill>
@@ -10772,7 +10751,7 @@
                           </a14:hiddenLine>
                         </a:ext>
                         <a:ext uri="{AF507438-7753-43e0-B8FC-AC1667EBCBE1}">
-                          <a14:hiddenEffects xmlns="" xmlns:a14="http://schemas.microsoft.com/office/drawing/2010/main">
+                          <a14:hiddenEffects xmlns:a14="http://schemas.microsoft.com/office/drawing/2010/main" xmlns="">
                             <a:effectLst>
                               <a:outerShdw blurRad="63500" dist="38099" dir="2700000" algn="ctr" rotWithShape="0">
                                 <a:schemeClr val="bg2">
@@ -10807,7 +10786,7 @@
           <a:graphicData uri="http://schemas.openxmlformats.org/presentationml/2006/ole">
             <mc:AlternateContent xmlns:mc="http://schemas.openxmlformats.org/markup-compatibility/2006">
               <mc:Choice xmlns:v="urn:schemas-microsoft-com:vml" Requires="v">
-                <p:oleObj spid="_x0000_s5187" name="Photo Editor Photo" r:id="rId5" imgW="4095238" imgH="1504762" progId="">
+                <p:oleObj spid="_x0000_s5189" name="Photo Editor Photo" r:id="rId5" imgW="4095238" imgH="1504762" progId="">
                   <p:embed/>
                 </p:oleObj>
               </mc:Choice>
@@ -10850,14 +10829,14 @@
                       <a:effectLst/>
                       <a:extLst>
                         <a:ext uri="{909E8E84-426E-40dd-AFC4-6F175D3DCCD1}">
-                          <a14:hiddenFill xmlns="" xmlns:a14="http://schemas.microsoft.com/office/drawing/2010/main">
+                          <a14:hiddenFill xmlns:a14="http://schemas.microsoft.com/office/drawing/2010/main" xmlns="">
                             <a:solidFill>
                               <a:schemeClr val="accent1"/>
                             </a:solidFill>
                           </a14:hiddenFill>
                         </a:ext>
                         <a:ext uri="{91240B29-F687-4f45-9708-019B960494DF}">
-                          <a14:hiddenLine xmlns="" xmlns:a14="http://schemas.microsoft.com/office/drawing/2010/main" w="9525">
+                          <a14:hiddenLine xmlns:a14="http://schemas.microsoft.com/office/drawing/2010/main" xmlns="" w="9525">
                             <a:solidFill>
                               <a:schemeClr val="tx1"/>
                             </a:solidFill>
@@ -10867,7 +10846,7 @@
                           </a14:hiddenLine>
                         </a:ext>
                         <a:ext uri="{AF507438-7753-43e0-B8FC-AC1667EBCBE1}">
-                          <a14:hiddenEffects xmlns="" xmlns:a14="http://schemas.microsoft.com/office/drawing/2010/main">
+                          <a14:hiddenEffects xmlns:a14="http://schemas.microsoft.com/office/drawing/2010/main" xmlns="">
                             <a:effectLst>
                               <a:outerShdw blurRad="63500" dist="38099" dir="2700000" algn="ctr" rotWithShape="0">
                                 <a:schemeClr val="bg2">
@@ -11271,7 +11250,7 @@
           <a:graphicData uri="http://schemas.openxmlformats.org/presentationml/2006/ole">
             <mc:AlternateContent xmlns:mc="http://schemas.openxmlformats.org/markup-compatibility/2006">
               <mc:Choice xmlns:v="urn:schemas-microsoft-com:vml" Requires="v">
-                <p:oleObj spid="_x0000_s6182" name="Photo Editor Photo" r:id="rId3" imgW="6582694" imgH="2914286" progId="">
+                <p:oleObj spid="_x0000_s6183" name="Photo Editor Photo" r:id="rId3" imgW="6582694" imgH="2914286" progId="">
                   <p:embed/>
                 </p:oleObj>
               </mc:Choice>
@@ -11314,14 +11293,14 @@
                       <a:effectLst/>
                       <a:extLst>
                         <a:ext uri="{909E8E84-426E-40dd-AFC4-6F175D3DCCD1}">
-                          <a14:hiddenFill xmlns="" xmlns:a14="http://schemas.microsoft.com/office/drawing/2010/main">
+                          <a14:hiddenFill xmlns:a14="http://schemas.microsoft.com/office/drawing/2010/main" xmlns="">
                             <a:solidFill>
                               <a:schemeClr val="accent1"/>
                             </a:solidFill>
                           </a14:hiddenFill>
                         </a:ext>
                         <a:ext uri="{91240B29-F687-4f45-9708-019B960494DF}">
-                          <a14:hiddenLine xmlns="" xmlns:a14="http://schemas.microsoft.com/office/drawing/2010/main" w="9525">
+                          <a14:hiddenLine xmlns:a14="http://schemas.microsoft.com/office/drawing/2010/main" xmlns="" w="9525">
                             <a:solidFill>
                               <a:schemeClr val="tx1"/>
                             </a:solidFill>
@@ -11331,7 +11310,7 @@
                           </a14:hiddenLine>
                         </a:ext>
                         <a:ext uri="{AF507438-7753-43e0-B8FC-AC1667EBCBE1}">
-                          <a14:hiddenEffects xmlns="" xmlns:a14="http://schemas.microsoft.com/office/drawing/2010/main">
+                          <a14:hiddenEffects xmlns:a14="http://schemas.microsoft.com/office/drawing/2010/main" xmlns="">
                             <a:effectLst>
                               <a:outerShdw blurRad="63500" dist="38099" dir="2700000" algn="ctr" rotWithShape="0">
                                 <a:schemeClr val="bg2">
@@ -11731,7 +11710,7 @@
           <a:graphicData uri="http://schemas.openxmlformats.org/presentationml/2006/ole">
             <mc:AlternateContent xmlns:mc="http://schemas.openxmlformats.org/markup-compatibility/2006">
               <mc:Choice xmlns:v="urn:schemas-microsoft-com:vml" Requires="v">
-                <p:oleObj spid="_x0000_s7206" name="Photo Editor Photo" r:id="rId3" imgW="5144218" imgH="3742857" progId="">
+                <p:oleObj spid="_x0000_s7207" name="Photo Editor Photo" r:id="rId3" imgW="5144218" imgH="3742857" progId="">
                   <p:embed/>
                 </p:oleObj>
               </mc:Choice>
@@ -11774,14 +11753,14 @@
                       <a:effectLst/>
                       <a:extLst>
                         <a:ext uri="{909E8E84-426E-40dd-AFC4-6F175D3DCCD1}">
-                          <a14:hiddenFill xmlns="" xmlns:a14="http://schemas.microsoft.com/office/drawing/2010/main">
+                          <a14:hiddenFill xmlns:a14="http://schemas.microsoft.com/office/drawing/2010/main" xmlns="">
                             <a:solidFill>
                               <a:schemeClr val="accent1"/>
                             </a:solidFill>
                           </a14:hiddenFill>
                         </a:ext>
                         <a:ext uri="{91240B29-F687-4f45-9708-019B960494DF}">
-                          <a14:hiddenLine xmlns="" xmlns:a14="http://schemas.microsoft.com/office/drawing/2010/main" w="9525">
+                          <a14:hiddenLine xmlns:a14="http://schemas.microsoft.com/office/drawing/2010/main" xmlns="" w="9525">
                             <a:solidFill>
                               <a:schemeClr val="tx1"/>
                             </a:solidFill>
@@ -11791,7 +11770,7 @@
                           </a14:hiddenLine>
                         </a:ext>
                         <a:ext uri="{AF507438-7753-43e0-B8FC-AC1667EBCBE1}">
-                          <a14:hiddenEffects xmlns="" xmlns:a14="http://schemas.microsoft.com/office/drawing/2010/main">
+                          <a14:hiddenEffects xmlns:a14="http://schemas.microsoft.com/office/drawing/2010/main" xmlns="">
                             <a:effectLst>
                               <a:outerShdw blurRad="63500" dist="38099" dir="2700000" algn="ctr" rotWithShape="0">
                                 <a:schemeClr val="bg2">
@@ -12591,7 +12570,7 @@
           <a:graphicData uri="http://schemas.openxmlformats.org/presentationml/2006/ole">
             <mc:AlternateContent xmlns:mc="http://schemas.openxmlformats.org/markup-compatibility/2006">
               <mc:Choice xmlns:v="urn:schemas-microsoft-com:vml" Requires="v">
-                <p:oleObj spid="_x0000_s8230" name="Photo Editor Photo" r:id="rId3" imgW="7857143" imgH="3381847" progId="">
+                <p:oleObj spid="_x0000_s8231" name="Photo Editor Photo" r:id="rId3" imgW="7857143" imgH="3381847" progId="">
                   <p:embed/>
                 </p:oleObj>
               </mc:Choice>
@@ -12634,14 +12613,14 @@
                       <a:effectLst/>
                       <a:extLst>
                         <a:ext uri="{909E8E84-426E-40dd-AFC4-6F175D3DCCD1}">
-                          <a14:hiddenFill xmlns="" xmlns:a14="http://schemas.microsoft.com/office/drawing/2010/main">
+                          <a14:hiddenFill xmlns:a14="http://schemas.microsoft.com/office/drawing/2010/main" xmlns="">
                             <a:solidFill>
                               <a:schemeClr val="accent1"/>
                             </a:solidFill>
                           </a14:hiddenFill>
                         </a:ext>
                         <a:ext uri="{91240B29-F687-4f45-9708-019B960494DF}">
-                          <a14:hiddenLine xmlns="" xmlns:a14="http://schemas.microsoft.com/office/drawing/2010/main" w="9525">
+                          <a14:hiddenLine xmlns:a14="http://schemas.microsoft.com/office/drawing/2010/main" xmlns="" w="9525">
                             <a:solidFill>
                               <a:schemeClr val="tx1"/>
                             </a:solidFill>
@@ -12651,7 +12630,7 @@
                           </a14:hiddenLine>
                         </a:ext>
                         <a:ext uri="{AF507438-7753-43e0-B8FC-AC1667EBCBE1}">
-                          <a14:hiddenEffects xmlns="" xmlns:a14="http://schemas.microsoft.com/office/drawing/2010/main">
+                          <a14:hiddenEffects xmlns:a14="http://schemas.microsoft.com/office/drawing/2010/main" xmlns="">
                             <a:effectLst>
                               <a:outerShdw blurRad="63500" dist="38099" dir="2700000" algn="ctr" rotWithShape="0">
                                 <a:schemeClr val="bg2">
@@ -13228,7 +13207,7 @@
           <a:graphicData uri="http://schemas.openxmlformats.org/presentationml/2006/ole">
             <mc:AlternateContent xmlns:mc="http://schemas.openxmlformats.org/markup-compatibility/2006">
               <mc:Choice xmlns:v="urn:schemas-microsoft-com:vml" Requires="v">
-                <p:oleObj spid="_x0000_s9254" name="Photo Editor Photo" r:id="rId3" imgW="7733333" imgH="4371429" progId="">
+                <p:oleObj spid="_x0000_s9255" name="Photo Editor Photo" r:id="rId3" imgW="7733333" imgH="4371429" progId="">
                   <p:embed/>
                 </p:oleObj>
               </mc:Choice>
@@ -13271,14 +13250,14 @@
                       <a:effectLst/>
                       <a:extLst>
                         <a:ext uri="{909E8E84-426E-40dd-AFC4-6F175D3DCCD1}">
-                          <a14:hiddenFill xmlns="" xmlns:a14="http://schemas.microsoft.com/office/drawing/2010/main">
+                          <a14:hiddenFill xmlns:a14="http://schemas.microsoft.com/office/drawing/2010/main" xmlns="">
                             <a:solidFill>
                               <a:schemeClr val="accent1"/>
                             </a:solidFill>
                           </a14:hiddenFill>
                         </a:ext>
                         <a:ext uri="{91240B29-F687-4f45-9708-019B960494DF}">
-                          <a14:hiddenLine xmlns="" xmlns:a14="http://schemas.microsoft.com/office/drawing/2010/main" w="9525">
+                          <a14:hiddenLine xmlns:a14="http://schemas.microsoft.com/office/drawing/2010/main" xmlns="" w="9525">
                             <a:solidFill>
                               <a:schemeClr val="tx1"/>
                             </a:solidFill>
@@ -13288,7 +13267,7 @@
                           </a14:hiddenLine>
                         </a:ext>
                         <a:ext uri="{AF507438-7753-43e0-B8FC-AC1667EBCBE1}">
-                          <a14:hiddenEffects xmlns="" xmlns:a14="http://schemas.microsoft.com/office/drawing/2010/main">
+                          <a14:hiddenEffects xmlns:a14="http://schemas.microsoft.com/office/drawing/2010/main" xmlns="">
                             <a:effectLst>
                               <a:outerShdw blurRad="63500" dist="38099" dir="2700000" algn="ctr" rotWithShape="0">
                                 <a:schemeClr val="bg2">
@@ -13430,7 +13409,7 @@
           <a:p>
             <a:pPr marL="365760" indent="-283464"/>
             <a:r>
-              <a:rPr lang="en-US">
+              <a:rPr lang="en-US" dirty="0">
                 <a:cs typeface="Avenir Light"/>
               </a:rPr>
               <a:t>11a_LimbajeInterogare_Operatori1</a:t>
@@ -13441,20 +13420,26 @@
               <a:buNone/>
             </a:pPr>
             <a:r>
-              <a:rPr lang="en-US">
+              <a:rPr lang="en-US" dirty="0">
                 <a:cs typeface="Avenir Light"/>
                 <a:hlinkClick r:id="rId3"/>
               </a:rPr>
-              <a:t>https://onedrive.live.com/redir?resid=9233CD031198EF03!8358&amp;authkey=!AAb85Ew7jyabT_w&amp;ithint=video%2cmp4</a:t>
-            </a:r>
-            <a:endParaRPr lang="en-US">
+              <a:t>https://1drv.ms/i/s!AgPvmBEDzTOSwSYG-uRM4ldmMfhE</a:t>
+            </a:r>
+            <a:endParaRPr lang="en-US" dirty="0">
               <a:cs typeface="Avenir Light"/>
             </a:endParaRPr>
           </a:p>
           <a:p>
             <a:pPr marL="365760" indent="-283464"/>
-            <a:r>
-              <a:rPr lang="en-US">
+            <a:endParaRPr lang="en-US" dirty="0">
+              <a:cs typeface="Avenir Light"/>
+            </a:endParaRPr>
+          </a:p>
+          <a:p>
+            <a:pPr marL="365760" indent="-283464"/>
+            <a:r>
+              <a:rPr lang="en-US" dirty="0">
                 <a:cs typeface="Avenir Light"/>
               </a:rPr>
               <a:t>11b_Reuniune-Proiectie</a:t>
@@ -13465,38 +13450,52 @@
               <a:buNone/>
             </a:pPr>
             <a:r>
-              <a:rPr lang="en-US" sz="2400">
+              <a:rPr lang="en-US" sz="2400" dirty="0">
                 <a:hlinkClick r:id="rId4"/>
               </a:rPr>
-              <a:t>https://onedrive.live.com/redir?resid=9233CD031198EF03!8357&amp;authkey=!ACVZGFrEeZtIZRc&amp;ithint=video%2cmp4</a:t>
-            </a:r>
-          </a:p>
-          <a:p>
-            <a:pPr marL="365760" indent="-283464"/>
-            <a:r>
-              <a:rPr lang="en-US">
-                <a:cs typeface="Avenir Light"/>
-              </a:rPr>
-              <a:t>11c_Theta-Echi-Jonctiune </a:t>
+              <a:t>https://1drv.ms/i/s!AgPvmBEDzTOSwSUlXxhaHaHb4gQY</a:t>
             </a:r>
           </a:p>
           <a:p>
             <a:pPr marL="82296" indent="0">
               <a:buNone/>
             </a:pPr>
-            <a:r>
-              <a:rPr lang="en-US" sz="2400">
-                <a:hlinkClick r:id="rId5"/>
-              </a:rPr>
-              <a:t>https://onedrive.live.com/redir?resid=9233CD031198EF03!8355&amp;authkey=!ACJ0cA6etKKY60c&amp;ithint=video%2cmp4</a:t>
-            </a:r>
-            <a:endParaRPr lang="en-US" sz="2400"/>
+            <a:endParaRPr lang="en-US" sz="2400" dirty="0">
+              <a:hlinkClick r:id="rId4"/>
+            </a:endParaRPr>
+          </a:p>
+          <a:p>
+            <a:pPr marL="365760" indent="-283464"/>
+            <a:r>
+              <a:rPr lang="en-US" dirty="0">
+                <a:cs typeface="Avenir Light"/>
+              </a:rPr>
+              <a:t>11c_Theta-Echi-Jonctiune </a:t>
+            </a:r>
           </a:p>
           <a:p>
             <a:pPr marL="82296" indent="0">
               <a:buNone/>
             </a:pPr>
-            <a:endParaRPr lang="ro-RO" sz="2400"/>
+            <a:r>
+              <a:rPr lang="en-US" sz="2400" dirty="0">
+                <a:hlinkClick r:id="rId5"/>
+              </a:rPr>
+              <a:t>https://1drv.ms/i/s!AgPvmBEDzTOSwSMicnAOR2ziMuC2</a:t>
+            </a:r>
+            <a:endParaRPr lang="en-US" sz="2400" dirty="0"/>
+          </a:p>
+          <a:p>
+            <a:pPr marL="82296" indent="0">
+              <a:buNone/>
+            </a:pPr>
+            <a:endParaRPr lang="en-US" sz="2400" dirty="0"/>
+          </a:p>
+          <a:p>
+            <a:pPr marL="82296" indent="0">
+              <a:buNone/>
+            </a:pPr>
+            <a:endParaRPr lang="ro-RO" sz="2400" dirty="0"/>
           </a:p>
         </p:txBody>
       </p:sp>
@@ -14571,109 +14570,6 @@
             <a:extLst/>
           </a:lstStyle>
           <a:p>
-            <a:pPr fontAlgn="auto">
-              <a:spcAft>
-                <a:spcPts val="0"/>
-              </a:spcAft>
-            </a:pPr>
-            <a:r>
-              <a:rPr lang="en-US" dirty="0"/>
-              <a:t>037 overview of inner join-Complete SQL Bootcamp</a:t>
-            </a:r>
-          </a:p>
-          <a:p>
-            <a:pPr marL="82550" indent="0" fontAlgn="auto">
-              <a:spcAft>
-                <a:spcPts val="0"/>
-              </a:spcAft>
-              <a:buNone/>
-            </a:pPr>
-            <a:r>
-              <a:rPr lang="en-US" dirty="0">
-                <a:hlinkClick r:id="rId2"/>
-              </a:rPr>
-              <a:t>https://www.youtube.com/watch?v=EyNync60lXk</a:t>
-            </a:r>
-            <a:endParaRPr lang="en-US" dirty="0"/>
-          </a:p>
-          <a:p>
-            <a:pPr fontAlgn="auto">
-              <a:spcAft>
-                <a:spcPts val="0"/>
-              </a:spcAft>
-            </a:pPr>
-            <a:endParaRPr lang="en-US" dirty="0"/>
-          </a:p>
-          <a:p>
-            <a:pPr fontAlgn="auto">
-              <a:spcAft>
-                <a:spcPts val="0"/>
-              </a:spcAft>
-            </a:pPr>
-            <a:r>
-              <a:rPr lang="en-US" dirty="0"/>
-              <a:t>039 overview of join types-Complete SQL Bootcamp</a:t>
-            </a:r>
-          </a:p>
-          <a:p>
-            <a:pPr marL="82550" indent="0" fontAlgn="auto">
-              <a:spcAft>
-                <a:spcPts val="0"/>
-              </a:spcAft>
-              <a:buNone/>
-            </a:pPr>
-            <a:r>
-              <a:rPr lang="en-US" dirty="0">
-                <a:cs typeface="Avenir Light"/>
-                <a:hlinkClick r:id="rId3"/>
-              </a:rPr>
-              <a:t>https://www.youtube.com/watch?v=1w3tXpvyoXM</a:t>
-            </a:r>
-            <a:endParaRPr lang="en-US" dirty="0">
-              <a:cs typeface="Avenir Light"/>
-            </a:endParaRPr>
-          </a:p>
-          <a:p>
-            <a:pPr fontAlgn="auto">
-              <a:spcAft>
-                <a:spcPts val="0"/>
-              </a:spcAft>
-            </a:pPr>
-            <a:r>
-              <a:rPr lang="en-US" dirty="0"/>
-              <a:t>038 examples of inner joins-Complete SQL Bootcamp</a:t>
-            </a:r>
-          </a:p>
-          <a:p>
-            <a:pPr marL="82550" indent="0" fontAlgn="auto">
-              <a:spcAft>
-                <a:spcPts val="0"/>
-              </a:spcAft>
-              <a:buNone/>
-            </a:pPr>
-            <a:r>
-              <a:rPr lang="en-US" dirty="0">
-                <a:cs typeface="Avenir Light"/>
-                <a:hlinkClick r:id="rId4"/>
-              </a:rPr>
-              <a:t>https://www.youtube.com/watch?v=PAUPd-a72kw</a:t>
-            </a:r>
-            <a:endParaRPr lang="en-US" dirty="0">
-              <a:cs typeface="Avenir Light"/>
-            </a:endParaRPr>
-          </a:p>
-          <a:p>
-            <a:pPr marL="82550" indent="0" fontAlgn="auto">
-              <a:spcAft>
-                <a:spcPts val="0"/>
-              </a:spcAft>
-              <a:buNone/>
-            </a:pPr>
-            <a:endParaRPr lang="en-US" dirty="0">
-              <a:cs typeface="Avenir Light"/>
-            </a:endParaRPr>
-          </a:p>
-          <a:p>
             <a:pPr marL="82296" indent="0" fontAlgn="auto">
               <a:spcAft>
                 <a:spcPts val="0"/>
@@ -14777,7 +14673,7 @@
           <a:graphicData uri="http://schemas.openxmlformats.org/presentationml/2006/ole">
             <mc:AlternateContent xmlns:mc="http://schemas.openxmlformats.org/markup-compatibility/2006">
               <mc:Choice xmlns:v="urn:schemas-microsoft-com:vml" Requires="v">
-                <p:oleObj spid="_x0000_s10278" name="Photo Editor Photo" r:id="rId3" imgW="6249272" imgH="5514286" progId="">
+                <p:oleObj spid="_x0000_s10279" name="Photo Editor Photo" r:id="rId3" imgW="6249272" imgH="5514286" progId="">
                   <p:embed/>
                 </p:oleObj>
               </mc:Choice>
@@ -14820,14 +14716,14 @@
                       <a:effectLst/>
                       <a:extLst>
                         <a:ext uri="{909E8E84-426E-40dd-AFC4-6F175D3DCCD1}">
-                          <a14:hiddenFill xmlns="" xmlns:a14="http://schemas.microsoft.com/office/drawing/2010/main">
+                          <a14:hiddenFill xmlns:a14="http://schemas.microsoft.com/office/drawing/2010/main" xmlns="">
                             <a:solidFill>
                               <a:schemeClr val="accent1"/>
                             </a:solidFill>
                           </a14:hiddenFill>
                         </a:ext>
                         <a:ext uri="{91240B29-F687-4f45-9708-019B960494DF}">
-                          <a14:hiddenLine xmlns="" xmlns:a14="http://schemas.microsoft.com/office/drawing/2010/main" w="9525">
+                          <a14:hiddenLine xmlns:a14="http://schemas.microsoft.com/office/drawing/2010/main" xmlns="" w="9525">
                             <a:solidFill>
                               <a:schemeClr val="tx1"/>
                             </a:solidFill>
@@ -14837,7 +14733,7 @@
                           </a14:hiddenLine>
                         </a:ext>
                         <a:ext uri="{AF507438-7753-43e0-B8FC-AC1667EBCBE1}">
-                          <a14:hiddenEffects xmlns="" xmlns:a14="http://schemas.microsoft.com/office/drawing/2010/main">
+                          <a14:hiddenEffects xmlns:a14="http://schemas.microsoft.com/office/drawing/2010/main" xmlns="">
                             <a:effectLst>
                               <a:outerShdw blurRad="63500" dist="38099" dir="2700000" algn="ctr" rotWithShape="0">
                                 <a:schemeClr val="bg2">
@@ -16730,7 +16626,7 @@
           <a:graphicData uri="http://schemas.openxmlformats.org/presentationml/2006/ole">
             <mc:AlternateContent xmlns:mc="http://schemas.openxmlformats.org/markup-compatibility/2006">
               <mc:Choice xmlns:v="urn:schemas-microsoft-com:vml" Requires="v">
-                <p:oleObj spid="_x0000_s11302" name="Photo Editor Photo" r:id="rId3" imgW="7295238" imgH="5372850" progId="">
+                <p:oleObj spid="_x0000_s11303" name="Photo Editor Photo" r:id="rId3" imgW="7295238" imgH="5372850" progId="">
                   <p:embed/>
                 </p:oleObj>
               </mc:Choice>
@@ -16773,14 +16669,14 @@
                       <a:effectLst/>
                       <a:extLst>
                         <a:ext uri="{909E8E84-426E-40dd-AFC4-6F175D3DCCD1}">
-                          <a14:hiddenFill xmlns="" xmlns:a14="http://schemas.microsoft.com/office/drawing/2010/main">
+                          <a14:hiddenFill xmlns:a14="http://schemas.microsoft.com/office/drawing/2010/main" xmlns="">
                             <a:solidFill>
                               <a:schemeClr val="accent1"/>
                             </a:solidFill>
                           </a14:hiddenFill>
                         </a:ext>
                         <a:ext uri="{91240B29-F687-4f45-9708-019B960494DF}">
-                          <a14:hiddenLine xmlns="" xmlns:a14="http://schemas.microsoft.com/office/drawing/2010/main" w="9525">
+                          <a14:hiddenLine xmlns:a14="http://schemas.microsoft.com/office/drawing/2010/main" xmlns="" w="9525">
                             <a:solidFill>
                               <a:schemeClr val="tx1"/>
                             </a:solidFill>
@@ -16790,7 +16686,7 @@
                           </a14:hiddenLine>
                         </a:ext>
                         <a:ext uri="{AF507438-7753-43e0-B8FC-AC1667EBCBE1}">
-                          <a14:hiddenEffects xmlns="" xmlns:a14="http://schemas.microsoft.com/office/drawing/2010/main">
+                          <a14:hiddenEffects xmlns:a14="http://schemas.microsoft.com/office/drawing/2010/main" xmlns="">
                             <a:effectLst>
                               <a:outerShdw blurRad="63500" dist="38099" dir="2700000" algn="ctr" rotWithShape="0">
                                 <a:schemeClr val="bg2">
@@ -19323,7 +19219,7 @@
           <a:graphicData uri="http://schemas.openxmlformats.org/presentationml/2006/ole">
             <mc:AlternateContent xmlns:mc="http://schemas.openxmlformats.org/markup-compatibility/2006">
               <mc:Choice xmlns:v="urn:schemas-microsoft-com:vml" Requires="v">
-                <p:oleObj spid="_x0000_s13378" name="Photo Editor Photo" r:id="rId3" imgW="5439534" imgH="1133633" progId="">
+                <p:oleObj spid="_x0000_s13380" name="Photo Editor Photo" r:id="rId3" imgW="5439534" imgH="1133633" progId="">
                   <p:embed/>
                 </p:oleObj>
               </mc:Choice>
@@ -19366,14 +19262,14 @@
                       <a:effectLst/>
                       <a:extLst>
                         <a:ext uri="{909E8E84-426E-40dd-AFC4-6F175D3DCCD1}">
-                          <a14:hiddenFill xmlns="" xmlns:a14="http://schemas.microsoft.com/office/drawing/2010/main">
+                          <a14:hiddenFill xmlns:a14="http://schemas.microsoft.com/office/drawing/2010/main" xmlns="">
                             <a:solidFill>
                               <a:schemeClr val="accent1"/>
                             </a:solidFill>
                           </a14:hiddenFill>
                         </a:ext>
                         <a:ext uri="{91240B29-F687-4f45-9708-019B960494DF}">
-                          <a14:hiddenLine xmlns="" xmlns:a14="http://schemas.microsoft.com/office/drawing/2010/main" w="9525">
+                          <a14:hiddenLine xmlns:a14="http://schemas.microsoft.com/office/drawing/2010/main" xmlns="" w="9525">
                             <a:solidFill>
                               <a:schemeClr val="tx1"/>
                             </a:solidFill>
@@ -19383,7 +19279,7 @@
                           </a14:hiddenLine>
                         </a:ext>
                         <a:ext uri="{AF507438-7753-43e0-B8FC-AC1667EBCBE1}">
-                          <a14:hiddenEffects xmlns="" xmlns:a14="http://schemas.microsoft.com/office/drawing/2010/main">
+                          <a14:hiddenEffects xmlns:a14="http://schemas.microsoft.com/office/drawing/2010/main" xmlns="">
                             <a:effectLst>
                               <a:outerShdw blurRad="63500" dist="38099" dir="2700000" algn="ctr" rotWithShape="0">
                                 <a:schemeClr val="bg2">
@@ -19418,7 +19314,7 @@
           <a:graphicData uri="http://schemas.openxmlformats.org/presentationml/2006/ole">
             <mc:AlternateContent xmlns:mc="http://schemas.openxmlformats.org/markup-compatibility/2006">
               <mc:Choice xmlns:v="urn:schemas-microsoft-com:vml" Requires="v">
-                <p:oleObj spid="_x0000_s13379" name="Photo Editor Photo" r:id="rId5" imgW="5210902" imgH="1743318" progId="">
+                <p:oleObj spid="_x0000_s13381" name="Photo Editor Photo" r:id="rId5" imgW="5210902" imgH="1743318" progId="">
                   <p:embed/>
                 </p:oleObj>
               </mc:Choice>
@@ -19461,14 +19357,14 @@
                       <a:effectLst/>
                       <a:extLst>
                         <a:ext uri="{909E8E84-426E-40dd-AFC4-6F175D3DCCD1}">
-                          <a14:hiddenFill xmlns="" xmlns:a14="http://schemas.microsoft.com/office/drawing/2010/main">
+                          <a14:hiddenFill xmlns:a14="http://schemas.microsoft.com/office/drawing/2010/main" xmlns="">
                             <a:solidFill>
                               <a:schemeClr val="accent1"/>
                             </a:solidFill>
                           </a14:hiddenFill>
                         </a:ext>
                         <a:ext uri="{91240B29-F687-4f45-9708-019B960494DF}">
-                          <a14:hiddenLine xmlns="" xmlns:a14="http://schemas.microsoft.com/office/drawing/2010/main" w="9525">
+                          <a14:hiddenLine xmlns:a14="http://schemas.microsoft.com/office/drawing/2010/main" xmlns="" w="9525">
                             <a:solidFill>
                               <a:schemeClr val="tx1"/>
                             </a:solidFill>
@@ -19478,7 +19374,7 @@
                           </a14:hiddenLine>
                         </a:ext>
                         <a:ext uri="{AF507438-7753-43e0-B8FC-AC1667EBCBE1}">
-                          <a14:hiddenEffects xmlns="" xmlns:a14="http://schemas.microsoft.com/office/drawing/2010/main">
+                          <a14:hiddenEffects xmlns:a14="http://schemas.microsoft.com/office/drawing/2010/main" xmlns="">
                             <a:effectLst>
                               <a:outerShdw blurRad="63500" dist="38099" dir="2700000" algn="ctr" rotWithShape="0">
                                 <a:schemeClr val="bg2">
@@ -21469,7 +21365,7 @@
           <a:graphicData uri="http://schemas.openxmlformats.org/presentationml/2006/ole">
             <mc:AlternateContent xmlns:mc="http://schemas.openxmlformats.org/markup-compatibility/2006">
               <mc:Choice xmlns:v="urn:schemas-microsoft-com:vml" Requires="v">
-                <p:oleObj spid="_x0000_s14374" name="Photo Editor Photo" r:id="rId3" imgW="5409524" imgH="2876190" progId="">
+                <p:oleObj spid="_x0000_s14375" name="Photo Editor Photo" r:id="rId3" imgW="5409524" imgH="2876190" progId="">
                   <p:embed/>
                 </p:oleObj>
               </mc:Choice>
@@ -23219,35 +23115,6 @@
                 <a:spcPts val="0"/>
               </a:spcAft>
             </a:pPr>
-            <a:r>
-              <a:rPr lang="en-US" dirty="0"/>
-              <a:t>046 </a:t>
-            </a:r>
-            <a:r>
-              <a:rPr lang="en-US" dirty="0" err="1"/>
-              <a:t>selfjoin</a:t>
-            </a:r>
-            <a:r>
-              <a:rPr lang="en-US" dirty="0"/>
-              <a:t>-Complete SQL Bootcamp </a:t>
-            </a:r>
-            <a:r>
-              <a:rPr lang="en-US" dirty="0">
-                <a:cs typeface="Avenir Light"/>
-                <a:hlinkClick r:id="rId2"/>
-              </a:rPr>
-              <a:t>https://www.youtube.com/watch?v=aayGO960gYk</a:t>
-            </a:r>
-            <a:endParaRPr lang="en-US" dirty="0">
-              <a:cs typeface="Avenir Light"/>
-            </a:endParaRPr>
-          </a:p>
-          <a:p>
-            <a:pPr fontAlgn="auto">
-              <a:spcAft>
-                <a:spcPts val="0"/>
-              </a:spcAft>
-            </a:pPr>
             <a:endParaRPr lang="en-US" dirty="0">
               <a:cs typeface="Avenir Light"/>
             </a:endParaRPr>
@@ -23950,7 +23817,7 @@
           <a:graphicData uri="http://schemas.openxmlformats.org/presentationml/2006/ole">
             <mc:AlternateContent xmlns:mc="http://schemas.openxmlformats.org/markup-compatibility/2006">
               <mc:Choice xmlns:v="urn:schemas-microsoft-com:vml" Requires="v">
-                <p:oleObj spid="_x0000_s15398" name="Photo Editor Photo" r:id="rId3" imgW="5210902" imgH="2591162" progId="">
+                <p:oleObj spid="_x0000_s15399" name="Photo Editor Photo" r:id="rId3" imgW="5210902" imgH="2591162" progId="">
                   <p:embed/>
                 </p:oleObj>
               </mc:Choice>
@@ -23993,14 +23860,14 @@
                       <a:effectLst/>
                       <a:extLst>
                         <a:ext uri="{909E8E84-426E-40dd-AFC4-6F175D3DCCD1}">
-                          <a14:hiddenFill xmlns="" xmlns:a14="http://schemas.microsoft.com/office/drawing/2010/main">
+                          <a14:hiddenFill xmlns:a14="http://schemas.microsoft.com/office/drawing/2010/main" xmlns="">
                             <a:solidFill>
                               <a:schemeClr val="accent1"/>
                             </a:solidFill>
                           </a14:hiddenFill>
                         </a:ext>
                         <a:ext uri="{91240B29-F687-4f45-9708-019B960494DF}">
-                          <a14:hiddenLine xmlns="" xmlns:a14="http://schemas.microsoft.com/office/drawing/2010/main" w="9525">
+                          <a14:hiddenLine xmlns:a14="http://schemas.microsoft.com/office/drawing/2010/main" xmlns="" w="9525">
                             <a:solidFill>
                               <a:schemeClr val="tx1"/>
                             </a:solidFill>
@@ -24010,7 +23877,7 @@
                           </a14:hiddenLine>
                         </a:ext>
                         <a:ext uri="{AF507438-7753-43e0-B8FC-AC1667EBCBE1}">
-                          <a14:hiddenEffects xmlns="" xmlns:a14="http://schemas.microsoft.com/office/drawing/2010/main">
+                          <a14:hiddenEffects xmlns:a14="http://schemas.microsoft.com/office/drawing/2010/main" xmlns="">
                             <a:effectLst>
                               <a:outerShdw blurRad="63500" dist="38099" dir="2700000" algn="ctr" rotWithShape="0">
                                 <a:schemeClr val="bg2">
@@ -24175,7 +24042,7 @@
           <a:graphicData uri="http://schemas.openxmlformats.org/presentationml/2006/ole">
             <mc:AlternateContent xmlns:mc="http://schemas.openxmlformats.org/markup-compatibility/2006">
               <mc:Choice xmlns:v="urn:schemas-microsoft-com:vml" Requires="v">
-                <p:oleObj spid="_x0000_s16422" name="Photo Editor Photo" r:id="rId3" imgW="4809524" imgH="1276190" progId="">
+                <p:oleObj spid="_x0000_s16423" name="Photo Editor Photo" r:id="rId3" imgW="4809524" imgH="1276190" progId="">
                   <p:embed/>
                 </p:oleObj>
               </mc:Choice>
@@ -24218,14 +24085,14 @@
                       <a:effectLst/>
                       <a:extLst>
                         <a:ext uri="{909E8E84-426E-40dd-AFC4-6F175D3DCCD1}">
-                          <a14:hiddenFill xmlns="" xmlns:a14="http://schemas.microsoft.com/office/drawing/2010/main">
+                          <a14:hiddenFill xmlns:a14="http://schemas.microsoft.com/office/drawing/2010/main" xmlns="">
                             <a:solidFill>
                               <a:schemeClr val="accent1"/>
                             </a:solidFill>
                           </a14:hiddenFill>
                         </a:ext>
                         <a:ext uri="{91240B29-F687-4f45-9708-019B960494DF}">
-                          <a14:hiddenLine xmlns="" xmlns:a14="http://schemas.microsoft.com/office/drawing/2010/main" w="9525">
+                          <a14:hiddenLine xmlns:a14="http://schemas.microsoft.com/office/drawing/2010/main" xmlns="" w="9525">
                             <a:solidFill>
                               <a:schemeClr val="tx1"/>
                             </a:solidFill>
@@ -24235,7 +24102,7 @@
                           </a14:hiddenLine>
                         </a:ext>
                         <a:ext uri="{AF507438-7753-43e0-B8FC-AC1667EBCBE1}">
-                          <a14:hiddenEffects xmlns="" xmlns:a14="http://schemas.microsoft.com/office/drawing/2010/main">
+                          <a14:hiddenEffects xmlns:a14="http://schemas.microsoft.com/office/drawing/2010/main" xmlns="">
                             <a:effectLst>
                               <a:outerShdw blurRad="63500" dist="38099" dir="2700000" algn="ctr" rotWithShape="0">
                                 <a:schemeClr val="bg2">
